--- a/Dokumentacija/PavelsZuravlovs_2020_kvd.pptx
+++ b/Dokumentacija/PavelsZuravlovs_2020_kvd.pptx
@@ -205,7 +205,7 @@
           <a:p>
             <a:fld id="{7163BFD6-022E-4D4C-9332-9AB5B0FEDF30}" type="datetimeFigureOut">
               <a:rPr lang="lv-LV" smtClean="0"/>
-              <a:t>31.05.2020</a:t>
+              <a:t>13.06.2020</a:t>
             </a:fld>
             <a:endParaRPr lang="lv-LV"/>
           </a:p>
@@ -762,7 +762,7 @@
             <a:fld id="{2547AE99-83C8-4FE1-988B-CA369D3CE0BF}" type="datetimeFigureOut">
               <a:rPr lang="lv-LV" smtClean="0"/>
               <a:pPr/>
-              <a:t>31.05.2020</a:t>
+              <a:t>13.06.2020</a:t>
             </a:fld>
             <a:endParaRPr lang="lv-LV" dirty="0"/>
           </a:p>
@@ -1122,7 +1122,7 @@
           <a:p>
             <a:fld id="{2547AE99-83C8-4FE1-988B-CA369D3CE0BF}" type="datetimeFigureOut">
               <a:rPr lang="lv-LV" smtClean="0"/>
-              <a:t>31.05.2020</a:t>
+              <a:t>13.06.2020</a:t>
             </a:fld>
             <a:endParaRPr lang="lv-LV"/>
           </a:p>
@@ -1292,7 +1292,7 @@
           <a:p>
             <a:fld id="{2547AE99-83C8-4FE1-988B-CA369D3CE0BF}" type="datetimeFigureOut">
               <a:rPr lang="lv-LV" smtClean="0"/>
-              <a:t>31.05.2020</a:t>
+              <a:t>13.06.2020</a:t>
             </a:fld>
             <a:endParaRPr lang="lv-LV"/>
           </a:p>
@@ -1479,7 +1479,7 @@
           <a:p>
             <a:fld id="{2547AE99-83C8-4FE1-988B-CA369D3CE0BF}" type="datetimeFigureOut">
               <a:rPr lang="lv-LV" smtClean="0"/>
-              <a:t>31.05.2020</a:t>
+              <a:t>13.06.2020</a:t>
             </a:fld>
             <a:endParaRPr lang="lv-LV"/>
           </a:p>
@@ -1738,7 +1738,7 @@
             <a:fld id="{2547AE99-83C8-4FE1-988B-CA369D3CE0BF}" type="datetimeFigureOut">
               <a:rPr lang="lv-LV" smtClean="0"/>
               <a:pPr/>
-              <a:t>31.05.2020</a:t>
+              <a:t>13.06.2020</a:t>
             </a:fld>
             <a:endParaRPr lang="lv-LV" dirty="0"/>
           </a:p>
@@ -1971,7 +1971,7 @@
           <a:p>
             <a:fld id="{2547AE99-83C8-4FE1-988B-CA369D3CE0BF}" type="datetimeFigureOut">
               <a:rPr lang="lv-LV" smtClean="0"/>
-              <a:t>31.05.2020</a:t>
+              <a:t>13.06.2020</a:t>
             </a:fld>
             <a:endParaRPr lang="lv-LV"/>
           </a:p>
@@ -2224,7 +2224,7 @@
           <a:p>
             <a:fld id="{2547AE99-83C8-4FE1-988B-CA369D3CE0BF}" type="datetimeFigureOut">
               <a:rPr lang="lv-LV" smtClean="0"/>
-              <a:t>31.05.2020</a:t>
+              <a:t>13.06.2020</a:t>
             </a:fld>
             <a:endParaRPr lang="lv-LV"/>
           </a:p>
@@ -2463,7 +2463,7 @@
           <a:p>
             <a:fld id="{2547AE99-83C8-4FE1-988B-CA369D3CE0BF}" type="datetimeFigureOut">
               <a:rPr lang="lv-LV" smtClean="0"/>
-              <a:t>31.05.2020</a:t>
+              <a:t>13.06.2020</a:t>
             </a:fld>
             <a:endParaRPr lang="lv-LV"/>
           </a:p>
@@ -2830,7 +2830,7 @@
           <a:p>
             <a:fld id="{2547AE99-83C8-4FE1-988B-CA369D3CE0BF}" type="datetimeFigureOut">
               <a:rPr lang="lv-LV" smtClean="0"/>
-              <a:t>31.05.2020</a:t>
+              <a:t>13.06.2020</a:t>
             </a:fld>
             <a:endParaRPr lang="lv-LV"/>
           </a:p>
@@ -2948,7 +2948,7 @@
           <a:p>
             <a:fld id="{2547AE99-83C8-4FE1-988B-CA369D3CE0BF}" type="datetimeFigureOut">
               <a:rPr lang="lv-LV" smtClean="0"/>
-              <a:t>31.05.2020</a:t>
+              <a:t>13.06.2020</a:t>
             </a:fld>
             <a:endParaRPr lang="lv-LV"/>
           </a:p>
@@ -3043,7 +3043,7 @@
           <a:p>
             <a:fld id="{2547AE99-83C8-4FE1-988B-CA369D3CE0BF}" type="datetimeFigureOut">
               <a:rPr lang="lv-LV" smtClean="0"/>
-              <a:t>31.05.2020</a:t>
+              <a:t>13.06.2020</a:t>
             </a:fld>
             <a:endParaRPr lang="lv-LV"/>
           </a:p>
@@ -3320,7 +3320,7 @@
           <a:p>
             <a:fld id="{2547AE99-83C8-4FE1-988B-CA369D3CE0BF}" type="datetimeFigureOut">
               <a:rPr lang="lv-LV" smtClean="0"/>
-              <a:t>31.05.2020</a:t>
+              <a:t>13.06.2020</a:t>
             </a:fld>
             <a:endParaRPr lang="lv-LV"/>
           </a:p>
@@ -3540,7 +3540,7 @@
           <a:p>
             <a:fld id="{2547AE99-83C8-4FE1-988B-CA369D3CE0BF}" type="datetimeFigureOut">
               <a:rPr lang="lv-LV" smtClean="0"/>
-              <a:t>31.05.2020</a:t>
+              <a:t>13.06.2020</a:t>
             </a:fld>
             <a:endParaRPr lang="lv-LV"/>
           </a:p>
@@ -5643,8 +5643,10 @@
       </p:sp>
       <p:pic>
         <p:nvPicPr>
-          <p:cNvPr id="5" name="Picture 4"/>
-          <p:cNvPicPr/>
+          <p:cNvPr id="3" name="Picture 2"/>
+          <p:cNvPicPr>
+            <a:picLocks noChangeAspect="1"/>
+          </p:cNvPicPr>
           <p:nvPr/>
         </p:nvPicPr>
         <p:blipFill rotWithShape="1">
@@ -5655,25 +5657,17 @@
               </a:ext>
             </a:extLst>
           </a:blip>
-          <a:srcRect l="2952" t="5049" r="1313" b="7073"/>
+          <a:srcRect l="3214" t="5121" r="1322" b="7026"/>
           <a:stretch/>
         </p:blipFill>
-        <p:spPr bwMode="auto">
+        <p:spPr>
           <a:xfrm>
-            <a:off x="1442448" y="1321209"/>
-            <a:ext cx="9333230" cy="4816475"/>
+            <a:off x="1569720" y="1253418"/>
+            <a:ext cx="9797143" cy="5069005"/>
           </a:xfrm>
           <a:prstGeom prst="rect">
             <a:avLst/>
           </a:prstGeom>
-          <a:ln>
-            <a:noFill/>
-          </a:ln>
-          <a:extLst>
-            <a:ext uri="{53640926-AAD7-44D8-BBD7-CCE9431645EC}">
-              <a14:shadowObscured xmlns:a14="http://schemas.microsoft.com/office/drawing/2010/main"/>
-            </a:ext>
-          </a:extLst>
         </p:spPr>
       </p:pic>
     </p:spTree>
